--- a/images/theory_analysis/Serverless_Architecture_BaaS_FaaS/Serverless_Architecture_BaaS_FaaS.pptx
+++ b/images/theory_analysis/Serverless_Architecture_BaaS_FaaS/Serverless_Architecture_BaaS_FaaS.pptx
@@ -213,7 +213,7 @@
           <a:p>
             <a:fld id="{6CD5550B-26C4-49A9-A5BA-636EF7BE6CE9}" type="datetimeFigureOut">
               <a:rPr lang="ko-KR" altLang="en-US" smtClean="0"/>
-              <a:t>2018-11-20</a:t>
+              <a:t>2018-11-21</a:t>
             </a:fld>
             <a:endParaRPr lang="ko-KR" altLang="en-US"/>
           </a:p>
@@ -743,7 +743,7 @@
           <a:p>
             <a:fld id="{FB30EDBD-1C2D-4C1E-B459-B60219FAB484}" type="datetimeFigureOut">
               <a:rPr lang="ko-KR" altLang="en-US" smtClean="0"/>
-              <a:t>2018-11-20</a:t>
+              <a:t>2018-11-21</a:t>
             </a:fld>
             <a:endParaRPr lang="ko-KR" altLang="en-US"/>
           </a:p>
@@ -906,7 +906,7 @@
           <a:p>
             <a:fld id="{FB30EDBD-1C2D-4C1E-B459-B60219FAB484}" type="datetimeFigureOut">
               <a:rPr lang="ko-KR" altLang="en-US" smtClean="0"/>
-              <a:t>2018-11-20</a:t>
+              <a:t>2018-11-21</a:t>
             </a:fld>
             <a:endParaRPr lang="ko-KR" altLang="en-US"/>
           </a:p>
@@ -1079,7 +1079,7 @@
           <a:p>
             <a:fld id="{FB30EDBD-1C2D-4C1E-B459-B60219FAB484}" type="datetimeFigureOut">
               <a:rPr lang="ko-KR" altLang="en-US" smtClean="0"/>
-              <a:t>2018-11-20</a:t>
+              <a:t>2018-11-21</a:t>
             </a:fld>
             <a:endParaRPr lang="ko-KR" altLang="en-US"/>
           </a:p>
@@ -1242,7 +1242,7 @@
           <a:p>
             <a:fld id="{FB30EDBD-1C2D-4C1E-B459-B60219FAB484}" type="datetimeFigureOut">
               <a:rPr lang="ko-KR" altLang="en-US" smtClean="0"/>
-              <a:t>2018-11-20</a:t>
+              <a:t>2018-11-21</a:t>
             </a:fld>
             <a:endParaRPr lang="ko-KR" altLang="en-US"/>
           </a:p>
@@ -1482,7 +1482,7 @@
           <a:p>
             <a:fld id="{FB30EDBD-1C2D-4C1E-B459-B60219FAB484}" type="datetimeFigureOut">
               <a:rPr lang="ko-KR" altLang="en-US" smtClean="0"/>
-              <a:t>2018-11-20</a:t>
+              <a:t>2018-11-21</a:t>
             </a:fld>
             <a:endParaRPr lang="ko-KR" altLang="en-US"/>
           </a:p>
@@ -1762,7 +1762,7 @@
           <a:p>
             <a:fld id="{FB30EDBD-1C2D-4C1E-B459-B60219FAB484}" type="datetimeFigureOut">
               <a:rPr lang="ko-KR" altLang="en-US" smtClean="0"/>
-              <a:t>2018-11-20</a:t>
+              <a:t>2018-11-21</a:t>
             </a:fld>
             <a:endParaRPr lang="ko-KR" altLang="en-US"/>
           </a:p>
@@ -2176,7 +2176,7 @@
           <a:p>
             <a:fld id="{FB30EDBD-1C2D-4C1E-B459-B60219FAB484}" type="datetimeFigureOut">
               <a:rPr lang="ko-KR" altLang="en-US" smtClean="0"/>
-              <a:t>2018-11-20</a:t>
+              <a:t>2018-11-21</a:t>
             </a:fld>
             <a:endParaRPr lang="ko-KR" altLang="en-US"/>
           </a:p>
@@ -2288,7 +2288,7 @@
           <a:p>
             <a:fld id="{FB30EDBD-1C2D-4C1E-B459-B60219FAB484}" type="datetimeFigureOut">
               <a:rPr lang="ko-KR" altLang="en-US" smtClean="0"/>
-              <a:t>2018-11-20</a:t>
+              <a:t>2018-11-21</a:t>
             </a:fld>
             <a:endParaRPr lang="ko-KR" altLang="en-US"/>
           </a:p>
@@ -2378,7 +2378,7 @@
           <a:p>
             <a:fld id="{FB30EDBD-1C2D-4C1E-B459-B60219FAB484}" type="datetimeFigureOut">
               <a:rPr lang="ko-KR" altLang="en-US" smtClean="0"/>
-              <a:t>2018-11-20</a:t>
+              <a:t>2018-11-21</a:t>
             </a:fld>
             <a:endParaRPr lang="ko-KR" altLang="en-US"/>
           </a:p>
@@ -2648,7 +2648,7 @@
           <a:p>
             <a:fld id="{FB30EDBD-1C2D-4C1E-B459-B60219FAB484}" type="datetimeFigureOut">
               <a:rPr lang="ko-KR" altLang="en-US" smtClean="0"/>
-              <a:t>2018-11-20</a:t>
+              <a:t>2018-11-21</a:t>
             </a:fld>
             <a:endParaRPr lang="ko-KR" altLang="en-US"/>
           </a:p>
@@ -2895,7 +2895,7 @@
           <a:p>
             <a:fld id="{FB30EDBD-1C2D-4C1E-B459-B60219FAB484}" type="datetimeFigureOut">
               <a:rPr lang="ko-KR" altLang="en-US" smtClean="0"/>
-              <a:t>2018-11-20</a:t>
+              <a:t>2018-11-21</a:t>
             </a:fld>
             <a:endParaRPr lang="ko-KR" altLang="en-US"/>
           </a:p>
@@ -3101,7 +3101,7 @@
           <a:p>
             <a:fld id="{FB30EDBD-1C2D-4C1E-B459-B60219FAB484}" type="datetimeFigureOut">
               <a:rPr lang="ko-KR" altLang="en-US" smtClean="0"/>
-              <a:t>2018-11-20</a:t>
+              <a:t>2018-11-21</a:t>
             </a:fld>
             <a:endParaRPr lang="ko-KR" altLang="en-US"/>
           </a:p>
@@ -3626,8 +3626,8 @@
         </p:nvSpPr>
         <p:spPr>
           <a:xfrm>
-            <a:off x="2090918" y="1131590"/>
-            <a:ext cx="1373624" cy="929258"/>
+            <a:off x="1991572" y="1131590"/>
+            <a:ext cx="1572316" cy="929258"/>
           </a:xfrm>
           <a:prstGeom prst="cloud">
             <a:avLst/>
@@ -3663,6 +3663,13 @@
               <a:rPr lang="en-US" altLang="ko-KR" sz="1600"/>
               <a:t>Service</a:t>
             </a:r>
+          </a:p>
+          <a:p>
+            <a:pPr algn="ctr"/>
+            <a:r>
+              <a:rPr lang="en-US" altLang="ko-KR" sz="1600"/>
+              <a:t>(Backend)</a:t>
+            </a:r>
             <a:endParaRPr lang="ko-KR" altLang="en-US" sz="1600"/>
           </a:p>
         </p:txBody>
@@ -4061,6 +4068,7 @@
             </a:extLst>
           </p:cNvPr>
           <p:cNvCxnSpPr>
+            <a:cxnSpLocks/>
             <a:stCxn id="3" idx="0"/>
             <a:endCxn id="7" idx="2"/>
           </p:cNvCxnSpPr>
@@ -4069,7 +4077,7 @@
         <p:spPr>
           <a:xfrm flipV="1">
             <a:off x="1119791" y="1596219"/>
-            <a:ext cx="975388" cy="880706"/>
+            <a:ext cx="876658" cy="880706"/>
           </a:xfrm>
           <a:prstGeom prst="straightConnector1">
             <a:avLst/>
@@ -4609,7 +4617,7 @@
             <a:pPr algn="ctr"/>
             <a:r>
               <a:rPr lang="en-US" altLang="ko-KR" sz="1600"/>
-              <a:t>Client</a:t>
+              <a:t>Service</a:t>
             </a:r>
             <a:endParaRPr lang="ko-KR" altLang="en-US" sz="1600"/>
           </a:p>
@@ -4662,6 +4670,53 @@
           </a:fontRef>
         </p:style>
       </p:cxnSp>
+      <p:sp>
+        <p:nvSpPr>
+          <p:cNvPr id="29" name="구름 28">
+            <a:extLst>
+              <a:ext uri="{FF2B5EF4-FFF2-40B4-BE49-F238E27FC236}">
+                <a16:creationId xmlns:a16="http://schemas.microsoft.com/office/drawing/2014/main" id="{E0271B4E-FCDA-42FA-90F3-D74CD8876A0C}"/>
+              </a:ext>
+            </a:extLst>
+          </p:cNvPr>
+          <p:cNvSpPr/>
+          <p:nvPr/>
+        </p:nvSpPr>
+        <p:spPr>
+          <a:xfrm>
+            <a:off x="5307453" y="1131590"/>
+            <a:ext cx="1572316" cy="929258"/>
+          </a:xfrm>
+          <a:prstGeom prst="cloud">
+            <a:avLst/>
+          </a:prstGeom>
+        </p:spPr>
+        <p:style>
+          <a:lnRef idx="2">
+            <a:schemeClr val="dk1"/>
+          </a:lnRef>
+          <a:fillRef idx="1">
+            <a:schemeClr val="lt1"/>
+          </a:fillRef>
+          <a:effectRef idx="0">
+            <a:schemeClr val="dk1"/>
+          </a:effectRef>
+          <a:fontRef idx="minor">
+            <a:schemeClr val="dk1"/>
+          </a:fontRef>
+        </p:style>
+        <p:txBody>
+          <a:bodyPr rtlCol="0" anchor="ctr"/>
+          <a:lstStyle/>
+          <a:p>
+            <a:pPr algn="ctr"/>
+            <a:r>
+              <a:rPr lang="en-US" altLang="ko-KR" sz="1600"/>
+              <a:t>Service</a:t>
+            </a:r>
+          </a:p>
+        </p:txBody>
+      </p:sp>
     </p:spTree>
     <p:extLst>
       <p:ext uri="{BB962C8B-B14F-4D97-AF65-F5344CB8AC3E}">
